--- a/ppt/devops-ulpgc.pptx
+++ b/ppt/devops-ulpgc.pptx
@@ -751,53 +751,13 @@
       </p:grpSpPr>
       <p:sp>
         <p:nvSpPr>
-          <p:cNvPr id="10" name="Rectangle 9"/>
-          <p:cNvSpPr/>
-          <p:nvPr/>
-        </p:nvSpPr>
-        <p:spPr>
-          <a:xfrm>
-            <a:off x="0" y="1"/>
-            <a:ext cx="12188825" cy="4572001"/>
-          </a:xfrm>
-          <a:prstGeom prst="rect">
-            <a:avLst/>
-          </a:prstGeom>
-          <a:solidFill>
-            <a:schemeClr val="accent1">
-              <a:lumMod val="75000"/>
-            </a:schemeClr>
-          </a:solidFill>
-          <a:ln>
-            <a:noFill/>
-          </a:ln>
-        </p:spPr>
-        <p:style>
-          <a:lnRef idx="2">
-            <a:schemeClr val="accent1">
-              <a:shade val="50000"/>
-            </a:schemeClr>
-          </a:lnRef>
-          <a:fillRef idx="1">
-            <a:schemeClr val="accent1"/>
-          </a:fillRef>
-          <a:effectRef idx="0">
-            <a:schemeClr val="accent1"/>
-          </a:effectRef>
-          <a:fontRef idx="minor">
-            <a:schemeClr val="lt1"/>
-          </a:fontRef>
-        </p:style>
-      </p:sp>
-      <p:sp>
-        <p:nvSpPr>
           <p:cNvPr id="11" name="Oval 5"/>
           <p:cNvSpPr/>
           <p:nvPr/>
         </p:nvSpPr>
         <p:spPr>
           <a:xfrm>
-            <a:off x="-1" y="1"/>
+            <a:off x="912812" y="3657600"/>
             <a:ext cx="12188825" cy="4572001"/>
           </a:xfrm>
           <a:custGeom>
@@ -9608,6 +9568,100 @@
           </a:fontRef>
         </p:style>
       </p:cxnSp>
+      <p:pic>
+        <p:nvPicPr>
+          <p:cNvPr id="3074" name="Picture 2" descr="Inerza">
+            <a:extLst>
+              <a:ext uri="{FF2B5EF4-FFF2-40B4-BE49-F238E27FC236}">
+                <a16:creationId xmlns:a16="http://schemas.microsoft.com/office/drawing/2014/main" id="{3C46A7E2-9A4F-2F5A-A6A8-64E28FB948D8}"/>
+              </a:ext>
+            </a:extLst>
+          </p:cNvPr>
+          <p:cNvPicPr>
+            <a:picLocks noChangeAspect="1" noChangeArrowheads="1"/>
+          </p:cNvPicPr>
+          <p:nvPr userDrawn="1"/>
+        </p:nvPicPr>
+        <p:blipFill>
+          <a:blip r:embed="rId2">
+            <a:extLst>
+              <a:ext uri="{28A0092B-C50C-407E-A947-70E740481C1C}">
+                <a14:useLocalDpi xmlns:a14="http://schemas.microsoft.com/office/drawing/2010/main" val="0"/>
+              </a:ext>
+            </a:extLst>
+          </a:blip>
+          <a:srcRect/>
+          <a:stretch>
+            <a:fillRect/>
+          </a:stretch>
+        </p:blipFill>
+        <p:spPr bwMode="auto">
+          <a:xfrm>
+            <a:off x="6595119" y="1066800"/>
+            <a:ext cx="3579079" cy="1238912"/>
+          </a:xfrm>
+          <a:prstGeom prst="rect">
+            <a:avLst/>
+          </a:prstGeom>
+          <a:noFill/>
+          <a:extLst>
+            <a:ext uri="{909E8E84-426E-40DD-AFC4-6F175D3DCCD1}">
+              <a14:hiddenFill xmlns:a14="http://schemas.microsoft.com/office/drawing/2010/main">
+                <a:solidFill>
+                  <a:srgbClr val="FFFFFF"/>
+                </a:solidFill>
+              </a14:hiddenFill>
+            </a:ext>
+          </a:extLst>
+        </p:spPr>
+      </p:pic>
+      <p:pic>
+        <p:nvPicPr>
+          <p:cNvPr id="3076" name="Picture 4" descr="Contactel - Grupo Inetel | LinkedIn">
+            <a:extLst>
+              <a:ext uri="{FF2B5EF4-FFF2-40B4-BE49-F238E27FC236}">
+                <a16:creationId xmlns:a16="http://schemas.microsoft.com/office/drawing/2014/main" id="{1C5EEFB4-22E9-38C5-D359-174C3E9157DE}"/>
+              </a:ext>
+            </a:extLst>
+          </p:cNvPr>
+          <p:cNvPicPr>
+            <a:picLocks noChangeAspect="1" noChangeArrowheads="1"/>
+          </p:cNvPicPr>
+          <p:nvPr userDrawn="1"/>
+        </p:nvPicPr>
+        <p:blipFill>
+          <a:blip r:embed="rId3">
+            <a:extLst>
+              <a:ext uri="{28A0092B-C50C-407E-A947-70E740481C1C}">
+                <a14:useLocalDpi xmlns:a14="http://schemas.microsoft.com/office/drawing/2010/main" val="0"/>
+              </a:ext>
+            </a:extLst>
+          </a:blip>
+          <a:srcRect/>
+          <a:stretch>
+            <a:fillRect/>
+          </a:stretch>
+        </p:blipFill>
+        <p:spPr bwMode="auto">
+          <a:xfrm>
+            <a:off x="1631305" y="-148841"/>
+            <a:ext cx="3962401" cy="3962401"/>
+          </a:xfrm>
+          <a:prstGeom prst="rect">
+            <a:avLst/>
+          </a:prstGeom>
+          <a:noFill/>
+          <a:extLst>
+            <a:ext uri="{909E8E84-426E-40DD-AFC4-6F175D3DCCD1}">
+              <a14:hiddenFill xmlns:a14="http://schemas.microsoft.com/office/drawing/2010/main">
+                <a:solidFill>
+                  <a:srgbClr val="FFFFFF"/>
+                </a:solidFill>
+              </a14:hiddenFill>
+            </a:ext>
+          </a:extLst>
+        </p:spPr>
+      </p:pic>
     </p:spTree>
     <p:extLst>
       <p:ext uri="{BB962C8B-B14F-4D97-AF65-F5344CB8AC3E}">
@@ -20820,6 +20874,100 @@
           </a:fontRef>
         </p:style>
       </p:cxnSp>
+      <p:pic>
+        <p:nvPicPr>
+          <p:cNvPr id="8" name="Picture 2" descr="inicio - Grupo INETEL">
+            <a:extLst>
+              <a:ext uri="{FF2B5EF4-FFF2-40B4-BE49-F238E27FC236}">
+                <a16:creationId xmlns:a16="http://schemas.microsoft.com/office/drawing/2014/main" id="{8C64D4D4-4067-8943-53C4-CA581F0E7F42}"/>
+              </a:ext>
+            </a:extLst>
+          </p:cNvPr>
+          <p:cNvPicPr>
+            <a:picLocks noChangeAspect="1" noChangeArrowheads="1"/>
+          </p:cNvPicPr>
+          <p:nvPr userDrawn="1"/>
+        </p:nvPicPr>
+        <p:blipFill>
+          <a:blip r:embed="rId13">
+            <a:extLst>
+              <a:ext uri="{28A0092B-C50C-407E-A947-70E740481C1C}">
+                <a14:useLocalDpi xmlns:a14="http://schemas.microsoft.com/office/drawing/2010/main" val="0"/>
+              </a:ext>
+            </a:extLst>
+          </a:blip>
+          <a:srcRect/>
+          <a:stretch>
+            <a:fillRect/>
+          </a:stretch>
+        </p:blipFill>
+        <p:spPr bwMode="auto">
+          <a:xfrm>
+            <a:off x="10214957" y="118491"/>
+            <a:ext cx="1762553" cy="719709"/>
+          </a:xfrm>
+          <a:prstGeom prst="rect">
+            <a:avLst/>
+          </a:prstGeom>
+          <a:noFill/>
+          <a:extLst>
+            <a:ext uri="{909E8E84-426E-40DD-AFC4-6F175D3DCCD1}">
+              <a14:hiddenFill xmlns:a14="http://schemas.microsoft.com/office/drawing/2010/main">
+                <a:solidFill>
+                  <a:srgbClr val="FFFFFF"/>
+                </a:solidFill>
+              </a14:hiddenFill>
+            </a:ext>
+          </a:extLst>
+        </p:spPr>
+      </p:pic>
+      <p:pic>
+        <p:nvPicPr>
+          <p:cNvPr id="2050" name="Picture 2" descr="Inerza">
+            <a:extLst>
+              <a:ext uri="{FF2B5EF4-FFF2-40B4-BE49-F238E27FC236}">
+                <a16:creationId xmlns:a16="http://schemas.microsoft.com/office/drawing/2014/main" id="{77F888D1-7814-436E-628B-D8379C3933C0}"/>
+              </a:ext>
+            </a:extLst>
+          </p:cNvPr>
+          <p:cNvPicPr>
+            <a:picLocks noChangeAspect="1" noChangeArrowheads="1"/>
+          </p:cNvPicPr>
+          <p:nvPr userDrawn="1"/>
+        </p:nvPicPr>
+        <p:blipFill>
+          <a:blip r:embed="rId14">
+            <a:extLst>
+              <a:ext uri="{28A0092B-C50C-407E-A947-70E740481C1C}">
+                <a14:useLocalDpi xmlns:a14="http://schemas.microsoft.com/office/drawing/2010/main" val="0"/>
+              </a:ext>
+            </a:extLst>
+          </a:blip>
+          <a:srcRect/>
+          <a:stretch>
+            <a:fillRect/>
+          </a:stretch>
+        </p:blipFill>
+        <p:spPr bwMode="auto">
+          <a:xfrm>
+            <a:off x="9646747" y="5861635"/>
+            <a:ext cx="2375528" cy="822298"/>
+          </a:xfrm>
+          <a:prstGeom prst="rect">
+            <a:avLst/>
+          </a:prstGeom>
+          <a:noFill/>
+          <a:extLst>
+            <a:ext uri="{909E8E84-426E-40DD-AFC4-6F175D3DCCD1}">
+              <a14:hiddenFill xmlns:a14="http://schemas.microsoft.com/office/drawing/2010/main">
+                <a:solidFill>
+                  <a:srgbClr val="FFFFFF"/>
+                </a:solidFill>
+              </a14:hiddenFill>
+            </a:ext>
+          </a:extLst>
+        </p:spPr>
+      </p:pic>
     </p:spTree>
     <p:extLst>
       <p:ext uri="{BB962C8B-B14F-4D97-AF65-F5344CB8AC3E}">
@@ -21223,7 +21371,9 @@
         </p:nvSpPr>
         <p:spPr/>
         <p:txBody>
-          <a:bodyPr/>
+          <a:bodyPr>
+            <a:normAutofit fontScale="90000"/>
+          </a:bodyPr>
           <a:lstStyle/>
           <a:p>
             <a:r>
@@ -25645,7 +25795,7 @@
         <p:spPr/>
         <p:txBody>
           <a:bodyPr vert="horz" lIns="121899" tIns="60949" rIns="121899" bIns="60949" rtlCol="0" anchor="t">
-            <a:normAutofit fontScale="92500" lnSpcReduction="10000"/>
+            <a:normAutofit lnSpcReduction="10000"/>
           </a:bodyPr>
           <a:lstStyle/>
           <a:p>
@@ -31999,7 +32149,7 @@
         </p:spPr>
         <p:txBody>
           <a:bodyPr vert="horz" lIns="121899" tIns="60949" rIns="121899" bIns="60949" rtlCol="0" anchor="t">
-            <a:normAutofit lnSpcReduction="10000"/>
+            <a:normAutofit/>
           </a:bodyPr>
           <a:lstStyle/>
           <a:p>
@@ -44638,6 +44788,15 @@
 </file>
 
 <file path=customXml/item1.xml><?xml version="1.0" encoding="utf-8"?>
+<?mso-contentType ?>
+<FormTemplates xmlns="http://schemas.microsoft.com/sharepoint/v3/contenttype/forms">
+  <Display>DocumentLibraryForm</Display>
+  <Edit>DocumentLibraryForm</Edit>
+  <New>DocumentLibraryForm</New>
+</FormTemplates>
+</file>
+
+<file path=customXml/item2.xml><?xml version="1.0" encoding="utf-8"?>
 <ct:contentTypeSchema xmlns:ct="http://schemas.microsoft.com/office/2006/metadata/contentType" xmlns:ma="http://schemas.microsoft.com/office/2006/metadata/properties/metaAttributes" ct:_="" ma:_="" ma:contentTypeName="Document" ma:contentTypeID="0x01010079F111ED35F8CC479449609E8A0923A6" ma:contentTypeVersion="12" ma:contentTypeDescription="Create a new document." ma:contentTypeScope="" ma:versionID="7f9b5e87859ce6d7eedbdc6e4e4205ca">
   <xsd:schema xmlns:xsd="http://www.w3.org/2001/XMLSchema" xmlns:xs="http://www.w3.org/2001/XMLSchema" xmlns:p="http://schemas.microsoft.com/office/2006/metadata/properties" xmlns:ns2="71af3243-3dd4-4a8d-8c0d-dd76da1f02a5" xmlns:ns3="16c05727-aa75-4e4a-9b5f-8a80a1165891" targetNamespace="http://schemas.microsoft.com/office/2006/metadata/properties" ma:root="true" ma:fieldsID="a5e0075ee7624d6a846e01eb61837427" ns2:_="" ns3:_="">
     <xsd:import namespace="71af3243-3dd4-4a8d-8c0d-dd76da1f02a5"/>
@@ -44858,7 +45017,7 @@
 </ct:contentTypeSchema>
 </file>
 
-<file path=customXml/item2.xml><?xml version="1.0" encoding="utf-8"?>
+<file path=customXml/item3.xml><?xml version="1.0" encoding="utf-8"?>
 <p:properties xmlns:p="http://schemas.microsoft.com/office/2006/metadata/properties" xmlns:xsi="http://www.w3.org/2001/XMLSchema-instance" xmlns:pc="http://schemas.microsoft.com/office/infopath/2007/PartnerControls">
   <documentManagement>
     <MediaServiceKeyPoints xmlns="71af3243-3dd4-4a8d-8c0d-dd76da1f02a5" xsi:nil="true"/>
@@ -44867,16 +45026,15 @@
 </p:properties>
 </file>
 
-<file path=customXml/item3.xml><?xml version="1.0" encoding="utf-8"?>
-<?mso-contentType ?>
-<FormTemplates xmlns="http://schemas.microsoft.com/sharepoint/v3/contenttype/forms">
-  <Display>DocumentLibraryForm</Display>
-  <Edit>DocumentLibraryForm</Edit>
-  <New>DocumentLibraryForm</New>
-</FormTemplates>
+<file path=customXml/itemProps1.xml><?xml version="1.0" encoding="utf-8"?>
+<ds:datastoreItem xmlns:ds="http://schemas.openxmlformats.org/officeDocument/2006/customXml" ds:itemID="{764734E9-C274-4EB4-8E27-BAE9169A44EB}">
+  <ds:schemaRefs>
+    <ds:schemaRef ds:uri="http://schemas.microsoft.com/sharepoint/v3/contenttype/forms"/>
+  </ds:schemaRefs>
+</ds:datastoreItem>
 </file>
 
-<file path=customXml/itemProps1.xml><?xml version="1.0" encoding="utf-8"?>
+<file path=customXml/itemProps2.xml><?xml version="1.0" encoding="utf-8"?>
 <ds:datastoreItem xmlns:ds="http://schemas.openxmlformats.org/officeDocument/2006/customXml" ds:itemID="{8A6D9222-8445-4CAF-97EE-09B50EF08BBD}">
   <ds:schemaRefs>
     <ds:schemaRef ds:uri="http://schemas.microsoft.com/office/2006/metadata/contentType"/>
@@ -44895,7 +45053,7 @@
 </ds:datastoreItem>
 </file>
 
-<file path=customXml/itemProps2.xml><?xml version="1.0" encoding="utf-8"?>
+<file path=customXml/itemProps3.xml><?xml version="1.0" encoding="utf-8"?>
 <ds:datastoreItem xmlns:ds="http://schemas.openxmlformats.org/officeDocument/2006/customXml" ds:itemID="{77CF7ACA-83DF-48D1-85D1-C482ED91F651}">
   <ds:schemaRefs>
     <ds:schemaRef ds:uri="http://schemas.microsoft.com/office/2006/metadata/properties"/>
@@ -44903,12 +45061,4 @@
     <ds:schemaRef ds:uri="71af3243-3dd4-4a8d-8c0d-dd76da1f02a5"/>
   </ds:schemaRefs>
 </ds:datastoreItem>
-</file>
-
-<file path=customXml/itemProps3.xml><?xml version="1.0" encoding="utf-8"?>
-<ds:datastoreItem xmlns:ds="http://schemas.openxmlformats.org/officeDocument/2006/customXml" ds:itemID="{764734E9-C274-4EB4-8E27-BAE9169A44EB}">
-  <ds:schemaRefs>
-    <ds:schemaRef ds:uri="http://schemas.microsoft.com/sharepoint/v3/contenttype/forms"/>
-  </ds:schemaRefs>
-</ds:datastoreItem>
 </file>